--- a/011_01_LinkedList_C.pptx
+++ b/011_01_LinkedList_C.pptx
@@ -14707,7 +14707,7 @@
                   <a:srgbClr val="FFFF00"/>
                 </a:solidFill>
               </a:rPr>
-              <a:t>010.1 Linked List Representation</a:t>
+              <a:t>011.1 Linked List Representation</a:t>
             </a:r>
             <a:endParaRPr lang="zh-TW" altLang="en-US" sz="4000" b="1" dirty="0">
               <a:solidFill>
